--- a/Presentation_Capstone_Project.pptx
+++ b/Presentation_Capstone_Project.pptx
@@ -13,6 +13,7 @@
     <p:sldId id="261" r:id="rId7"/>
     <p:sldId id="262" r:id="rId8"/>
     <p:sldId id="263" r:id="rId9"/>
+    <p:sldId id="264" r:id="rId10"/>
   </p:sldIdLst>
   <p:sldSz cx="9144000" cy="6858000" type="screen4x3"/>
   <p:notesSz cx="6858000" cy="9144000"/>
@@ -4528,6 +4529,74 @@
           <a:bodyPr/>
           <a:lstStyle/>
           <a:p>
+            <a:endParaRPr lang="en-IN" dirty="0" smtClean="0"/>
+          </a:p>
+          <a:p>
+            <a:r>
+              <a:rPr lang="en-IN" dirty="0" smtClean="0"/>
+              <a:t>Purpose </a:t>
+            </a:r>
+            <a:r>
+              <a:rPr lang="en-IN" dirty="0"/>
+              <a:t>of this project was to identify neighbourhoods in Toronto which have low number of restaurants in order to aid stakeholders in narrowing down the search for optimal location for a new restaurant</a:t>
+            </a:r>
+            <a:r>
+              <a:rPr lang="en-IN" dirty="0" smtClean="0"/>
+              <a:t>.</a:t>
+            </a:r>
+          </a:p>
+          <a:p>
+            <a:r>
+              <a:rPr lang="en-IN" dirty="0" smtClean="0"/>
+              <a:t>By </a:t>
+            </a:r>
+            <a:r>
+              <a:rPr lang="en-IN" dirty="0"/>
+              <a:t>calculating restaurant density distribution from Foursquare data we have first identified the most common nearby venues of each neighbourhood. </a:t>
+            </a:r>
+            <a:endParaRPr lang="en-IN" dirty="0" smtClean="0"/>
+          </a:p>
+          <a:p>
+            <a:r>
+              <a:rPr lang="en-IN" dirty="0" smtClean="0"/>
+              <a:t>Then </a:t>
+            </a:r>
+            <a:r>
+              <a:rPr lang="en-IN" dirty="0"/>
+              <a:t>with the help of clustering techniques and further analysis we were able to narrow down our analysis to </a:t>
+            </a:r>
+            <a:r>
+              <a:rPr lang="en-IN" dirty="0" smtClean="0"/>
+              <a:t>2 </a:t>
+            </a:r>
+            <a:r>
+              <a:rPr lang="en-IN" dirty="0"/>
+              <a:t>neighbourhoods which were good for opening up a new restaurant. </a:t>
+            </a:r>
+            <a:endParaRPr lang="en-IN" dirty="0" smtClean="0"/>
+          </a:p>
+          <a:p>
+            <a:r>
+              <a:rPr lang="en-IN" dirty="0" smtClean="0"/>
+              <a:t>This </a:t>
+            </a:r>
+            <a:r>
+              <a:rPr lang="en-IN" dirty="0"/>
+              <a:t>concludes this project of Battle of Neighbourhoods. </a:t>
+            </a:r>
+          </a:p>
+          <a:p>
+            <a:pPr marL="0" indent="0">
+              <a:buNone/>
+            </a:pPr>
+            <a:r>
+              <a:rPr lang="en-IN" dirty="0"/>
+              <a:t> </a:t>
+            </a:r>
+            <a:r>
+              <a:rPr lang="en-IN" dirty="0" smtClean="0"/>
+              <a:t> </a:t>
+            </a:r>
             <a:endParaRPr lang="en-IN" dirty="0"/>
           </a:p>
         </p:txBody>
@@ -4549,6 +4618,123 @@
       </p:par>
     </p:tnLst>
   </p:timing>
+</p:sld>
+</file>
+
+<file path=ppt/slides/slide9.xml><?xml version="1.0" encoding="utf-8"?>
+<p:sld xmlns:a="http://schemas.openxmlformats.org/drawingml/2006/main" xmlns:r="http://schemas.openxmlformats.org/officeDocument/2006/relationships" xmlns:p="http://schemas.openxmlformats.org/presentationml/2006/main">
+  <p:cSld>
+    <p:spTree>
+      <p:nvGrpSpPr>
+        <p:cNvPr id="1" name=""/>
+        <p:cNvGrpSpPr/>
+        <p:nvPr/>
+      </p:nvGrpSpPr>
+      <p:grpSpPr>
+        <a:xfrm>
+          <a:off x="0" y="0"/>
+          <a:ext cx="0" cy="0"/>
+          <a:chOff x="0" y="0"/>
+          <a:chExt cx="0" cy="0"/>
+        </a:xfrm>
+      </p:grpSpPr>
+      <p:sp>
+        <p:nvSpPr>
+          <p:cNvPr id="2" name="Title 1"/>
+          <p:cNvSpPr>
+            <a:spLocks noGrp="1"/>
+          </p:cNvSpPr>
+          <p:nvPr>
+            <p:ph type="title"/>
+          </p:nvPr>
+        </p:nvSpPr>
+        <p:spPr/>
+        <p:txBody>
+          <a:bodyPr/>
+          <a:lstStyle/>
+          <a:p>
+            <a:endParaRPr lang="en-IN"/>
+          </a:p>
+        </p:txBody>
+      </p:sp>
+      <p:sp>
+        <p:nvSpPr>
+          <p:cNvPr id="3" name="Content Placeholder 2"/>
+          <p:cNvSpPr>
+            <a:spLocks noGrp="1"/>
+          </p:cNvSpPr>
+          <p:nvPr>
+            <p:ph sz="quarter" idx="13"/>
+          </p:nvPr>
+        </p:nvSpPr>
+        <p:spPr/>
+        <p:txBody>
+          <a:bodyPr/>
+          <a:lstStyle/>
+          <a:p>
+            <a:pPr marL="0" indent="0" algn="ctr">
+              <a:buNone/>
+            </a:pPr>
+            <a:endParaRPr lang="en-IN" dirty="0" smtClean="0"/>
+          </a:p>
+          <a:p>
+            <a:pPr marL="0" indent="0" algn="ctr">
+              <a:buNone/>
+            </a:pPr>
+            <a:endParaRPr lang="en-IN" dirty="0"/>
+          </a:p>
+          <a:p>
+            <a:pPr marL="0" indent="0" algn="ctr">
+              <a:buNone/>
+            </a:pPr>
+            <a:endParaRPr lang="en-IN" dirty="0" smtClean="0"/>
+          </a:p>
+          <a:p>
+            <a:pPr marL="0" indent="0" algn="ctr">
+              <a:buNone/>
+            </a:pPr>
+            <a:endParaRPr lang="en-IN" dirty="0"/>
+          </a:p>
+          <a:p>
+            <a:pPr marL="0" indent="0" algn="ctr">
+              <a:buNone/>
+            </a:pPr>
+            <a:r>
+              <a:rPr lang="en-IN" sz="3200" b="1" dirty="0" smtClean="0">
+                <a:effectLst>
+                  <a:outerShdw blurRad="38100" dist="38100" dir="2700000" algn="tl">
+                    <a:srgbClr val="000000">
+                      <a:alpha val="43137"/>
+                    </a:srgbClr>
+                  </a:outerShdw>
+                </a:effectLst>
+                <a:latin typeface="Bodoni Bd BT" panose="02070803080706020303" pitchFamily="18" charset="0"/>
+              </a:rPr>
+              <a:t>THANK YOU</a:t>
+            </a:r>
+            <a:endParaRPr lang="en-IN" sz="3200" b="1" dirty="0">
+              <a:effectLst>
+                <a:outerShdw blurRad="38100" dist="38100" dir="2700000" algn="tl">
+                  <a:srgbClr val="000000">
+                    <a:alpha val="43137"/>
+                  </a:srgbClr>
+                </a:outerShdw>
+              </a:effectLst>
+              <a:latin typeface="Bodoni Bd BT" panose="02070803080706020303" pitchFamily="18" charset="0"/>
+            </a:endParaRPr>
+          </a:p>
+        </p:txBody>
+      </p:sp>
+    </p:spTree>
+    <p:extLst>
+      <p:ext uri="{BB962C8B-B14F-4D97-AF65-F5344CB8AC3E}">
+        <p14:creationId xmlns:p14="http://schemas.microsoft.com/office/powerpoint/2010/main" val="3329427987"/>
+      </p:ext>
+    </p:extLst>
+  </p:cSld>
+  <p:clrMapOvr>
+    <a:masterClrMapping/>
+  </p:clrMapOvr>
 </p:sld>
 </file>
 

--- a/Presentation_Capstone_Project.pptx
+++ b/Presentation_Capstone_Project.pptx
@@ -8,12 +8,13 @@
     <p:sldId id="256" r:id="rId2"/>
     <p:sldId id="257" r:id="rId3"/>
     <p:sldId id="258" r:id="rId4"/>
-    <p:sldId id="259" r:id="rId5"/>
-    <p:sldId id="260" r:id="rId6"/>
-    <p:sldId id="261" r:id="rId7"/>
-    <p:sldId id="262" r:id="rId8"/>
-    <p:sldId id="263" r:id="rId9"/>
-    <p:sldId id="264" r:id="rId10"/>
+    <p:sldId id="265" r:id="rId5"/>
+    <p:sldId id="259" r:id="rId6"/>
+    <p:sldId id="260" r:id="rId7"/>
+    <p:sldId id="261" r:id="rId8"/>
+    <p:sldId id="262" r:id="rId9"/>
+    <p:sldId id="263" r:id="rId10"/>
+    <p:sldId id="264" r:id="rId11"/>
   </p:sldIdLst>
   <p:sldSz cx="9144000" cy="6858000" type="screen4x3"/>
   <p:notesSz cx="6858000" cy="9144000"/>
@@ -3571,6 +3572,123 @@
 </p:sld>
 </file>
 
+<file path=ppt/slides/slide10.xml><?xml version="1.0" encoding="utf-8"?>
+<p:sld xmlns:a="http://schemas.openxmlformats.org/drawingml/2006/main" xmlns:r="http://schemas.openxmlformats.org/officeDocument/2006/relationships" xmlns:p="http://schemas.openxmlformats.org/presentationml/2006/main">
+  <p:cSld>
+    <p:spTree>
+      <p:nvGrpSpPr>
+        <p:cNvPr id="1" name=""/>
+        <p:cNvGrpSpPr/>
+        <p:nvPr/>
+      </p:nvGrpSpPr>
+      <p:grpSpPr>
+        <a:xfrm>
+          <a:off x="0" y="0"/>
+          <a:ext cx="0" cy="0"/>
+          <a:chOff x="0" y="0"/>
+          <a:chExt cx="0" cy="0"/>
+        </a:xfrm>
+      </p:grpSpPr>
+      <p:sp>
+        <p:nvSpPr>
+          <p:cNvPr id="2" name="Title 1"/>
+          <p:cNvSpPr>
+            <a:spLocks noGrp="1"/>
+          </p:cNvSpPr>
+          <p:nvPr>
+            <p:ph type="title"/>
+          </p:nvPr>
+        </p:nvSpPr>
+        <p:spPr/>
+        <p:txBody>
+          <a:bodyPr/>
+          <a:lstStyle/>
+          <a:p>
+            <a:endParaRPr lang="en-IN"/>
+          </a:p>
+        </p:txBody>
+      </p:sp>
+      <p:sp>
+        <p:nvSpPr>
+          <p:cNvPr id="3" name="Content Placeholder 2"/>
+          <p:cNvSpPr>
+            <a:spLocks noGrp="1"/>
+          </p:cNvSpPr>
+          <p:nvPr>
+            <p:ph sz="quarter" idx="13"/>
+          </p:nvPr>
+        </p:nvSpPr>
+        <p:spPr/>
+        <p:txBody>
+          <a:bodyPr/>
+          <a:lstStyle/>
+          <a:p>
+            <a:pPr marL="0" indent="0" algn="ctr">
+              <a:buNone/>
+            </a:pPr>
+            <a:endParaRPr lang="en-IN" dirty="0" smtClean="0"/>
+          </a:p>
+          <a:p>
+            <a:pPr marL="0" indent="0" algn="ctr">
+              <a:buNone/>
+            </a:pPr>
+            <a:endParaRPr lang="en-IN" dirty="0"/>
+          </a:p>
+          <a:p>
+            <a:pPr marL="0" indent="0" algn="ctr">
+              <a:buNone/>
+            </a:pPr>
+            <a:endParaRPr lang="en-IN" dirty="0" smtClean="0"/>
+          </a:p>
+          <a:p>
+            <a:pPr marL="0" indent="0" algn="ctr">
+              <a:buNone/>
+            </a:pPr>
+            <a:endParaRPr lang="en-IN" dirty="0"/>
+          </a:p>
+          <a:p>
+            <a:pPr marL="0" indent="0" algn="ctr">
+              <a:buNone/>
+            </a:pPr>
+            <a:r>
+              <a:rPr lang="en-IN" sz="3200" b="1" dirty="0" smtClean="0">
+                <a:effectLst>
+                  <a:outerShdw blurRad="38100" dist="38100" dir="2700000" algn="tl">
+                    <a:srgbClr val="000000">
+                      <a:alpha val="43137"/>
+                    </a:srgbClr>
+                  </a:outerShdw>
+                </a:effectLst>
+                <a:latin typeface="Bodoni Bd BT" panose="02070803080706020303" pitchFamily="18" charset="0"/>
+              </a:rPr>
+              <a:t>THANK YOU</a:t>
+            </a:r>
+            <a:endParaRPr lang="en-IN" sz="3200" b="1" dirty="0">
+              <a:effectLst>
+                <a:outerShdw blurRad="38100" dist="38100" dir="2700000" algn="tl">
+                  <a:srgbClr val="000000">
+                    <a:alpha val="43137"/>
+                  </a:srgbClr>
+                </a:outerShdw>
+              </a:effectLst>
+              <a:latin typeface="Bodoni Bd BT" panose="02070803080706020303" pitchFamily="18" charset="0"/>
+            </a:endParaRPr>
+          </a:p>
+        </p:txBody>
+      </p:sp>
+    </p:spTree>
+    <p:extLst>
+      <p:ext uri="{BB962C8B-B14F-4D97-AF65-F5344CB8AC3E}">
+        <p14:creationId xmlns:p14="http://schemas.microsoft.com/office/powerpoint/2010/main" val="3329427987"/>
+      </p:ext>
+    </p:extLst>
+  </p:cSld>
+  <p:clrMapOvr>
+    <a:masterClrMapping/>
+  </p:clrMapOvr>
+</p:sld>
+</file>
+
 <file path=ppt/slides/slide2.xml><?xml version="1.0" encoding="utf-8"?>
 <p:sld xmlns:a="http://schemas.openxmlformats.org/drawingml/2006/main" xmlns:r="http://schemas.openxmlformats.org/officeDocument/2006/relationships" xmlns:p="http://schemas.openxmlformats.org/presentationml/2006/main">
   <p:cSld>
@@ -3976,6 +4094,195 @@
           <a:bodyPr/>
           <a:lstStyle/>
           <a:p>
+            <a:endParaRPr lang="en-IN"/>
+          </a:p>
+        </p:txBody>
+      </p:sp>
+      <p:pic>
+        <p:nvPicPr>
+          <p:cNvPr id="4" name="Content Placeholder 3"/>
+          <p:cNvPicPr>
+            <a:picLocks noGrp="1" noChangeAspect="1"/>
+          </p:cNvPicPr>
+          <p:nvPr>
+            <p:ph sz="quarter" idx="13"/>
+          </p:nvPr>
+        </p:nvPicPr>
+        <p:blipFill>
+          <a:blip r:embed="rId2">
+            <a:extLst>
+              <a:ext uri="{28A0092B-C50C-407E-A947-70E740481C1C}">
+                <a14:useLocalDpi xmlns:a14="http://schemas.microsoft.com/office/drawing/2010/main" val="0"/>
+              </a:ext>
+            </a:extLst>
+          </a:blip>
+          <a:stretch>
+            <a:fillRect/>
+          </a:stretch>
+        </p:blipFill>
+        <p:spPr>
+          <a:xfrm>
+            <a:off x="611560" y="908720"/>
+            <a:ext cx="7488832" cy="1628775"/>
+          </a:xfrm>
+        </p:spPr>
+      </p:pic>
+      <p:pic>
+        <p:nvPicPr>
+          <p:cNvPr id="5" name="Picture 4"/>
+          <p:cNvPicPr>
+            <a:picLocks noChangeAspect="1"/>
+          </p:cNvPicPr>
+          <p:nvPr/>
+        </p:nvPicPr>
+        <p:blipFill>
+          <a:blip r:embed="rId3">
+            <a:extLst>
+              <a:ext uri="{28A0092B-C50C-407E-A947-70E740481C1C}">
+                <a14:useLocalDpi xmlns:a14="http://schemas.microsoft.com/office/drawing/2010/main" val="0"/>
+              </a:ext>
+            </a:extLst>
+          </a:blip>
+          <a:stretch>
+            <a:fillRect/>
+          </a:stretch>
+        </p:blipFill>
+        <p:spPr>
+          <a:xfrm>
+            <a:off x="63645" y="3284984"/>
+            <a:ext cx="8892480" cy="1656184"/>
+          </a:xfrm>
+          <a:prstGeom prst="rect">
+            <a:avLst/>
+          </a:prstGeom>
+        </p:spPr>
+      </p:pic>
+      <p:sp>
+        <p:nvSpPr>
+          <p:cNvPr id="6" name="TextBox 5"/>
+          <p:cNvSpPr txBox="1"/>
+          <p:nvPr/>
+        </p:nvSpPr>
+        <p:spPr>
+          <a:xfrm>
+            <a:off x="683568" y="2619166"/>
+            <a:ext cx="7344816" cy="369332"/>
+          </a:xfrm>
+          <a:prstGeom prst="rect">
+            <a:avLst/>
+          </a:prstGeom>
+          <a:noFill/>
+        </p:spPr>
+        <p:txBody>
+          <a:bodyPr wrap="square" rtlCol="0">
+            <a:spAutoFit/>
+          </a:bodyPr>
+          <a:lstStyle/>
+          <a:p>
+            <a:r>
+              <a:rPr lang="en-IN" dirty="0" smtClean="0"/>
+              <a:t>First Dataset with Postcode , </a:t>
+            </a:r>
+            <a:r>
+              <a:rPr lang="en-IN" dirty="0" err="1" smtClean="0"/>
+              <a:t>Neighborhood</a:t>
+            </a:r>
+            <a:r>
+              <a:rPr lang="en-IN" dirty="0" smtClean="0"/>
+              <a:t> and its Latitude and Longitude values </a:t>
+            </a:r>
+            <a:endParaRPr lang="en-IN" dirty="0"/>
+          </a:p>
+        </p:txBody>
+      </p:sp>
+      <p:sp>
+        <p:nvSpPr>
+          <p:cNvPr id="7" name="TextBox 6"/>
+          <p:cNvSpPr txBox="1"/>
+          <p:nvPr/>
+        </p:nvSpPr>
+        <p:spPr>
+          <a:xfrm>
+            <a:off x="539552" y="5157192"/>
+            <a:ext cx="7344816" cy="646331"/>
+          </a:xfrm>
+          <a:prstGeom prst="rect">
+            <a:avLst/>
+          </a:prstGeom>
+          <a:noFill/>
+        </p:spPr>
+        <p:txBody>
+          <a:bodyPr wrap="square" rtlCol="0">
+            <a:spAutoFit/>
+          </a:bodyPr>
+          <a:lstStyle/>
+          <a:p>
+            <a:r>
+              <a:rPr lang="en-IN" dirty="0" smtClean="0"/>
+              <a:t>Second Dataset with </a:t>
+            </a:r>
+            <a:r>
+              <a:rPr lang="en-IN" dirty="0" err="1" smtClean="0"/>
+              <a:t>Neighborhoods</a:t>
+            </a:r>
+            <a:r>
+              <a:rPr lang="en-IN" dirty="0" smtClean="0"/>
+              <a:t> and its top 5 Common venues obtained using Foursquare data</a:t>
+            </a:r>
+            <a:endParaRPr lang="en-IN" dirty="0"/>
+          </a:p>
+        </p:txBody>
+      </p:sp>
+    </p:spTree>
+    <p:extLst>
+      <p:ext uri="{BB962C8B-B14F-4D97-AF65-F5344CB8AC3E}">
+        <p14:creationId xmlns:p14="http://schemas.microsoft.com/office/powerpoint/2010/main" val="257984745"/>
+      </p:ext>
+    </p:extLst>
+  </p:cSld>
+  <p:clrMapOvr>
+    <a:masterClrMapping/>
+  </p:clrMapOvr>
+</p:sld>
+</file>
+
+<file path=ppt/slides/slide5.xml><?xml version="1.0" encoding="utf-8"?>
+<p:sld xmlns:a="http://schemas.openxmlformats.org/drawingml/2006/main" xmlns:r="http://schemas.openxmlformats.org/officeDocument/2006/relationships" xmlns:p="http://schemas.openxmlformats.org/presentationml/2006/main">
+  <p:cSld>
+    <p:spTree>
+      <p:nvGrpSpPr>
+        <p:cNvPr id="1" name=""/>
+        <p:cNvGrpSpPr/>
+        <p:nvPr/>
+      </p:nvGrpSpPr>
+      <p:grpSpPr>
+        <a:xfrm>
+          <a:off x="0" y="0"/>
+          <a:ext cx="0" cy="0"/>
+          <a:chOff x="0" y="0"/>
+          <a:chExt cx="0" cy="0"/>
+        </a:xfrm>
+      </p:grpSpPr>
+      <p:sp>
+        <p:nvSpPr>
+          <p:cNvPr id="2" name="Title 1"/>
+          <p:cNvSpPr>
+            <a:spLocks noGrp="1"/>
+          </p:cNvSpPr>
+          <p:nvPr>
+            <p:ph type="title"/>
+          </p:nvPr>
+        </p:nvSpPr>
+        <p:spPr>
+          <a:xfrm>
+            <a:off x="609600" y="274638"/>
+            <a:ext cx="7924800" cy="778098"/>
+          </a:xfrm>
+        </p:spPr>
+        <p:txBody>
+          <a:bodyPr/>
+          <a:lstStyle/>
+          <a:p>
             <a:r>
               <a:rPr lang="en-IN" dirty="0" smtClean="0"/>
               <a:t>Methodology and analysis</a:t>
@@ -3996,14 +4303,19 @@
         </p:nvSpPr>
         <p:spPr>
           <a:xfrm>
-            <a:off x="611560" y="1844824"/>
-            <a:ext cx="7924800" cy="3196952"/>
+            <a:off x="599481" y="836712"/>
+            <a:ext cx="7924800" cy="4248472"/>
           </a:xfrm>
         </p:spPr>
         <p:txBody>
-          <a:bodyPr/>
-          <a:lstStyle/>
-          <a:p>
+          <a:bodyPr>
+            <a:normAutofit/>
+          </a:bodyPr>
+          <a:lstStyle/>
+          <a:p>
+            <a:pPr marL="0" indent="0">
+              <a:buNone/>
+            </a:pPr>
             <a:endParaRPr lang="en-IN" dirty="0" smtClean="0"/>
           </a:p>
           <a:p>
@@ -4021,18 +4333,146 @@
           <a:p>
             <a:r>
               <a:rPr lang="en-IN" dirty="0" smtClean="0"/>
-              <a:t>Cluster with label 3 was selected as it had lowest Neighbourhood/Restaurant ratio.</a:t>
-            </a:r>
-          </a:p>
-          <a:p>
+              <a:t>Cluster with label </a:t>
+            </a:r>
+            <a:r>
+              <a:rPr lang="en-IN" dirty="0"/>
+              <a:t>0</a:t>
+            </a:r>
             <a:r>
               <a:rPr lang="en-IN" dirty="0" smtClean="0"/>
-              <a:t>After further analysis, only 8 neighbourhood remained which were perfect for opening a new restaurant</a:t>
+              <a:t> </a:t>
+            </a:r>
+            <a:r>
+              <a:rPr lang="en-IN" dirty="0" smtClean="0"/>
+              <a:t>was selected as it had lowest Neighbourhood/Restaurant ratio</a:t>
+            </a:r>
+            <a:r>
+              <a:rPr lang="en-IN" b="1" dirty="0" smtClean="0"/>
+              <a:t>.</a:t>
+            </a:r>
+          </a:p>
+          <a:p>
+            <a:pPr marL="0" indent="0">
+              <a:buNone/>
+            </a:pPr>
+            <a:endParaRPr lang="en-IN" b="1" dirty="0" smtClean="0"/>
+          </a:p>
+          <a:p>
+            <a:pPr marL="0" indent="0">
+              <a:buNone/>
+            </a:pPr>
+            <a:endParaRPr lang="en-IN" b="1" dirty="0" smtClean="0"/>
+          </a:p>
+          <a:p>
+            <a:r>
+              <a:rPr lang="en-IN" dirty="0" smtClean="0"/>
+              <a:t>After further analysis, only </a:t>
+            </a:r>
+            <a:r>
+              <a:rPr lang="en-IN" dirty="0" smtClean="0"/>
+              <a:t>2 </a:t>
+            </a:r>
+            <a:r>
+              <a:rPr lang="en-IN" dirty="0" smtClean="0"/>
+              <a:t>neighbourhood remained which were perfect for opening a new </a:t>
+            </a:r>
+            <a:r>
+              <a:rPr lang="en-IN" dirty="0" smtClean="0"/>
+              <a:t>restauran</a:t>
+            </a:r>
+            <a:r>
+              <a:rPr lang="en-IN" dirty="0"/>
+              <a:t>t</a:t>
+            </a:r>
+            <a:r>
+              <a:rPr lang="en-IN" dirty="0" smtClean="0"/>
+              <a:t>- </a:t>
+            </a:r>
+            <a:r>
+              <a:rPr lang="en-IN" b="1" dirty="0"/>
+              <a:t>Central Bay Street</a:t>
+            </a:r>
+            <a:r>
+              <a:rPr lang="en-IN" b="1" dirty="0" smtClean="0"/>
+              <a:t>, Downtown </a:t>
+            </a:r>
+            <a:r>
+              <a:rPr lang="en-IN" b="1" dirty="0"/>
+              <a:t>Toronto </a:t>
+            </a:r>
+            <a:r>
+              <a:rPr lang="en-IN" b="1" dirty="0" smtClean="0"/>
+              <a:t>&amp;  </a:t>
+            </a:r>
+            <a:r>
+              <a:rPr lang="en-IN" b="1" dirty="0"/>
+              <a:t>Adelaide, King, Richmond, Downtown Toronto </a:t>
             </a:r>
             <a:endParaRPr lang="en-IN" dirty="0"/>
           </a:p>
         </p:txBody>
       </p:sp>
+      <p:pic>
+        <p:nvPicPr>
+          <p:cNvPr id="4" name="Picture 3"/>
+          <p:cNvPicPr>
+            <a:picLocks noChangeAspect="1"/>
+          </p:cNvPicPr>
+          <p:nvPr/>
+        </p:nvPicPr>
+        <p:blipFill>
+          <a:blip r:embed="rId2">
+            <a:extLst>
+              <a:ext uri="{28A0092B-C50C-407E-A947-70E740481C1C}">
+                <a14:useLocalDpi xmlns:a14="http://schemas.microsoft.com/office/drawing/2010/main" val="0"/>
+              </a:ext>
+            </a:extLst>
+          </a:blip>
+          <a:stretch>
+            <a:fillRect/>
+          </a:stretch>
+        </p:blipFill>
+        <p:spPr>
+          <a:xfrm>
+            <a:off x="1953453" y="2592952"/>
+            <a:ext cx="5216855" cy="792088"/>
+          </a:xfrm>
+          <a:prstGeom prst="rect">
+            <a:avLst/>
+          </a:prstGeom>
+        </p:spPr>
+      </p:pic>
+      <p:pic>
+        <p:nvPicPr>
+          <p:cNvPr id="5" name="Picture 4"/>
+          <p:cNvPicPr>
+            <a:picLocks noChangeAspect="1"/>
+          </p:cNvPicPr>
+          <p:nvPr/>
+        </p:nvPicPr>
+        <p:blipFill>
+          <a:blip r:embed="rId3">
+            <a:extLst>
+              <a:ext uri="{28A0092B-C50C-407E-A947-70E740481C1C}">
+                <a14:useLocalDpi xmlns:a14="http://schemas.microsoft.com/office/drawing/2010/main" val="0"/>
+              </a:ext>
+            </a:extLst>
+          </a:blip>
+          <a:stretch>
+            <a:fillRect/>
+          </a:stretch>
+        </p:blipFill>
+        <p:spPr>
+          <a:xfrm>
+            <a:off x="75605" y="4360665"/>
+            <a:ext cx="8972550" cy="1200150"/>
+          </a:xfrm>
+          <a:prstGeom prst="rect">
+            <a:avLst/>
+          </a:prstGeom>
+        </p:spPr>
+      </p:pic>
     </p:spTree>
     <p:extLst>
       <p:ext uri="{BB962C8B-B14F-4D97-AF65-F5344CB8AC3E}">
@@ -4053,7 +4493,7 @@
 </p:sld>
 </file>
 
-<file path=ppt/slides/slide5.xml><?xml version="1.0" encoding="utf-8"?>
+<file path=ppt/slides/slide6.xml><?xml version="1.0" encoding="utf-8"?>
 <p:sld xmlns:a="http://schemas.openxmlformats.org/drawingml/2006/main" xmlns:r="http://schemas.openxmlformats.org/officeDocument/2006/relationships" xmlns:p="http://schemas.openxmlformats.org/presentationml/2006/main">
   <p:cSld>
     <p:spTree>
@@ -4087,17 +4527,16 @@
           <a:p>
             <a:r>
               <a:rPr lang="en-IN" sz="2400" dirty="0" smtClean="0"/>
-              <a:t>Map of </a:t>
-            </a:r>
-            <a:r>
-              <a:rPr lang="en-IN" sz="2400" dirty="0" err="1" smtClean="0"/>
-              <a:t>toronto</a:t>
-            </a:r>
-            <a:r>
+              <a:t>VISUALIZATION – </a:t>
+            </a:r>
+            <a:br>
               <a:rPr lang="en-IN" sz="2400" dirty="0" smtClean="0"/>
-              <a:t> city with all its neighbourhood marked </a:t>
-            </a:r>
-            <a:endParaRPr lang="en-IN" sz="2400" dirty="0"/>
+            </a:br>
+            <a:r>
+              <a:rPr lang="en-IN" sz="2400" cap="none" dirty="0" smtClean="0"/>
+              <a:t>Map Of Toronto City With All Its Neighbourhood Marked in Blue</a:t>
+            </a:r>
+            <a:endParaRPr lang="en-IN" sz="2400" cap="none" dirty="0"/>
           </a:p>
         </p:txBody>
       </p:sp>
@@ -4150,7 +4589,7 @@
 </p:sld>
 </file>
 
-<file path=ppt/slides/slide6.xml><?xml version="1.0" encoding="utf-8"?>
+<file path=ppt/slides/slide7.xml><?xml version="1.0" encoding="utf-8"?>
 <p:sld xmlns:a="http://schemas.openxmlformats.org/drawingml/2006/main" xmlns:r="http://schemas.openxmlformats.org/officeDocument/2006/relationships" xmlns:p="http://schemas.openxmlformats.org/presentationml/2006/main">
   <p:cSld>
     <p:spTree>
@@ -4183,10 +4622,10 @@
           <a:lstStyle/>
           <a:p>
             <a:r>
-              <a:rPr lang="en-IN" dirty="0" smtClean="0"/>
-              <a:t>Map after assigning cluster to each neighbourhood</a:t>
-            </a:r>
-            <a:endParaRPr lang="en-IN" dirty="0"/>
+              <a:rPr lang="en-IN" cap="none" dirty="0" smtClean="0"/>
+              <a:t>Map After Assigning 5 Cluster To Each Neighbourhood in Toronto</a:t>
+            </a:r>
+            <a:endParaRPr lang="en-IN" cap="none" dirty="0"/>
           </a:p>
         </p:txBody>
       </p:sp>
@@ -4385,7 +4824,7 @@
 </p:sld>
 </file>
 
-<file path=ppt/slides/slide7.xml><?xml version="1.0" encoding="utf-8"?>
+<file path=ppt/slides/slide8.xml><?xml version="1.0" encoding="utf-8"?>
 <p:sld xmlns:a="http://schemas.openxmlformats.org/drawingml/2006/main" xmlns:r="http://schemas.openxmlformats.org/officeDocument/2006/relationships" xmlns:p="http://schemas.openxmlformats.org/presentationml/2006/main">
   <p:cSld>
     <p:spTree>
@@ -4418,10 +4857,65 @@
           <a:lstStyle/>
           <a:p>
             <a:r>
-              <a:rPr lang="en-IN" dirty="0" smtClean="0"/>
-              <a:t>Maps representing 2 neighbourhoods suitable for opening restaurant</a:t>
-            </a:r>
-            <a:endParaRPr lang="en-IN" dirty="0"/>
+              <a:rPr lang="en-IN" sz="2400" cap="none" dirty="0" smtClean="0"/>
+              <a:t>Maps Representing 2 Neighbourhoods Suitable For Opening Restaurant  marked with blue</a:t>
+            </a:r>
+            <a:r>
+              <a:rPr lang="en-IN" sz="2400" cap="none" dirty="0" smtClean="0">
+                <a:solidFill>
+                  <a:srgbClr val="00B0F0"/>
+                </a:solidFill>
+              </a:rPr>
+              <a:t> </a:t>
+            </a:r>
+            <a:r>
+              <a:rPr lang="en-IN" sz="2400" cap="none" dirty="0" smtClean="0"/>
+              <a:t>dots </a:t>
+            </a:r>
+            <a:r>
+              <a:rPr lang="en-IN" sz="2000" cap="none" dirty="0" smtClean="0"/>
+              <a:t>-</a:t>
+            </a:r>
+            <a:r>
+              <a:rPr lang="en-IN" sz="2000" b="1" cap="none" dirty="0" smtClean="0">
+                <a:solidFill>
+                  <a:srgbClr val="FFFF00"/>
+                </a:solidFill>
+              </a:rPr>
+              <a:t>Central Bay Street </a:t>
+            </a:r>
+            <a:r>
+              <a:rPr lang="en-IN" sz="2000" b="1" cap="none" dirty="0" smtClean="0"/>
+              <a:t/>
+            </a:r>
+            <a:br>
+              <a:rPr lang="en-IN" sz="2000" b="1" cap="none" dirty="0" smtClean="0"/>
+            </a:br>
+            <a:r>
+              <a:rPr lang="en-IN" sz="2000" b="1" cap="none" dirty="0" smtClean="0"/>
+              <a:t>	       			       </a:t>
+            </a:r>
+            <a:r>
+              <a:rPr lang="en-IN" sz="2000" cap="none" dirty="0" smtClean="0"/>
+              <a:t>-</a:t>
+            </a:r>
+            <a:r>
+              <a:rPr lang="en-IN" sz="2000" b="1" cap="none" dirty="0" smtClean="0"/>
+              <a:t> </a:t>
+            </a:r>
+            <a:r>
+              <a:rPr lang="en-IN" sz="2000" b="1" cap="none" dirty="0" smtClean="0">
+                <a:solidFill>
+                  <a:srgbClr val="FFFF00"/>
+                </a:solidFill>
+              </a:rPr>
+              <a:t>Adelaide, King, Richmond</a:t>
+            </a:r>
+            <a:endParaRPr lang="en-IN" sz="2000" b="1" cap="none" dirty="0">
+              <a:solidFill>
+                <a:srgbClr val="FFFF00"/>
+              </a:solidFill>
+            </a:endParaRPr>
           </a:p>
         </p:txBody>
       </p:sp>
@@ -4474,7 +4968,7 @@
 </p:sld>
 </file>
 
-<file path=ppt/slides/slide8.xml><?xml version="1.0" encoding="utf-8"?>
+<file path=ppt/slides/slide9.xml><?xml version="1.0" encoding="utf-8"?>
 <p:sld xmlns:a="http://schemas.openxmlformats.org/drawingml/2006/main" xmlns:r="http://schemas.openxmlformats.org/officeDocument/2006/relationships" xmlns:p="http://schemas.openxmlformats.org/presentationml/2006/main">
   <p:cSld>
     <p:spTree>
@@ -4570,8 +5064,36 @@
               <a:t>2 </a:t>
             </a:r>
             <a:r>
+              <a:rPr lang="en-IN" dirty="0" smtClean="0"/>
+              <a:t>neighbourhoods - </a:t>
+            </a:r>
+            <a:r>
+              <a:rPr lang="en-IN" b="1" dirty="0"/>
+              <a:t>Central Bay </a:t>
+            </a:r>
+            <a:r>
+              <a:rPr lang="en-IN" b="1" dirty="0" err="1"/>
+              <a:t>Street,Downtown</a:t>
+            </a:r>
+            <a:r>
+              <a:rPr lang="en-IN" b="1"/>
+              <a:t> Toronto and Adelaide, King, Richmond, </a:t>
+            </a:r>
+            <a:r>
+              <a:rPr lang="en-IN" b="1"/>
+              <a:t>Downtown </a:t>
+            </a:r>
+            <a:r>
+              <a:rPr lang="en-IN" b="1" smtClean="0"/>
+              <a:t>Toronto</a:t>
+            </a:r>
+            <a:r>
+              <a:rPr lang="en-IN" smtClean="0"/>
+              <a:t> </a:t>
+            </a:r>
+            <a:r>
               <a:rPr lang="en-IN" dirty="0"/>
-              <a:t>neighbourhoods which were good for opening up a new restaurant. </a:t>
+              <a:t>which were good for opening up a new restaurant. </a:t>
             </a:r>
             <a:endParaRPr lang="en-IN" dirty="0" smtClean="0"/>
           </a:p>
@@ -4618,123 +5140,6 @@
       </p:par>
     </p:tnLst>
   </p:timing>
-</p:sld>
-</file>
-
-<file path=ppt/slides/slide9.xml><?xml version="1.0" encoding="utf-8"?>
-<p:sld xmlns:a="http://schemas.openxmlformats.org/drawingml/2006/main" xmlns:r="http://schemas.openxmlformats.org/officeDocument/2006/relationships" xmlns:p="http://schemas.openxmlformats.org/presentationml/2006/main">
-  <p:cSld>
-    <p:spTree>
-      <p:nvGrpSpPr>
-        <p:cNvPr id="1" name=""/>
-        <p:cNvGrpSpPr/>
-        <p:nvPr/>
-      </p:nvGrpSpPr>
-      <p:grpSpPr>
-        <a:xfrm>
-          <a:off x="0" y="0"/>
-          <a:ext cx="0" cy="0"/>
-          <a:chOff x="0" y="0"/>
-          <a:chExt cx="0" cy="0"/>
-        </a:xfrm>
-      </p:grpSpPr>
-      <p:sp>
-        <p:nvSpPr>
-          <p:cNvPr id="2" name="Title 1"/>
-          <p:cNvSpPr>
-            <a:spLocks noGrp="1"/>
-          </p:cNvSpPr>
-          <p:nvPr>
-            <p:ph type="title"/>
-          </p:nvPr>
-        </p:nvSpPr>
-        <p:spPr/>
-        <p:txBody>
-          <a:bodyPr/>
-          <a:lstStyle/>
-          <a:p>
-            <a:endParaRPr lang="en-IN"/>
-          </a:p>
-        </p:txBody>
-      </p:sp>
-      <p:sp>
-        <p:nvSpPr>
-          <p:cNvPr id="3" name="Content Placeholder 2"/>
-          <p:cNvSpPr>
-            <a:spLocks noGrp="1"/>
-          </p:cNvSpPr>
-          <p:nvPr>
-            <p:ph sz="quarter" idx="13"/>
-          </p:nvPr>
-        </p:nvSpPr>
-        <p:spPr/>
-        <p:txBody>
-          <a:bodyPr/>
-          <a:lstStyle/>
-          <a:p>
-            <a:pPr marL="0" indent="0" algn="ctr">
-              <a:buNone/>
-            </a:pPr>
-            <a:endParaRPr lang="en-IN" dirty="0" smtClean="0"/>
-          </a:p>
-          <a:p>
-            <a:pPr marL="0" indent="0" algn="ctr">
-              <a:buNone/>
-            </a:pPr>
-            <a:endParaRPr lang="en-IN" dirty="0"/>
-          </a:p>
-          <a:p>
-            <a:pPr marL="0" indent="0" algn="ctr">
-              <a:buNone/>
-            </a:pPr>
-            <a:endParaRPr lang="en-IN" dirty="0" smtClean="0"/>
-          </a:p>
-          <a:p>
-            <a:pPr marL="0" indent="0" algn="ctr">
-              <a:buNone/>
-            </a:pPr>
-            <a:endParaRPr lang="en-IN" dirty="0"/>
-          </a:p>
-          <a:p>
-            <a:pPr marL="0" indent="0" algn="ctr">
-              <a:buNone/>
-            </a:pPr>
-            <a:r>
-              <a:rPr lang="en-IN" sz="3200" b="1" dirty="0" smtClean="0">
-                <a:effectLst>
-                  <a:outerShdw blurRad="38100" dist="38100" dir="2700000" algn="tl">
-                    <a:srgbClr val="000000">
-                      <a:alpha val="43137"/>
-                    </a:srgbClr>
-                  </a:outerShdw>
-                </a:effectLst>
-                <a:latin typeface="Bodoni Bd BT" panose="02070803080706020303" pitchFamily="18" charset="0"/>
-              </a:rPr>
-              <a:t>THANK YOU</a:t>
-            </a:r>
-            <a:endParaRPr lang="en-IN" sz="3200" b="1" dirty="0">
-              <a:effectLst>
-                <a:outerShdw blurRad="38100" dist="38100" dir="2700000" algn="tl">
-                  <a:srgbClr val="000000">
-                    <a:alpha val="43137"/>
-                  </a:srgbClr>
-                </a:outerShdw>
-              </a:effectLst>
-              <a:latin typeface="Bodoni Bd BT" panose="02070803080706020303" pitchFamily="18" charset="0"/>
-            </a:endParaRPr>
-          </a:p>
-        </p:txBody>
-      </p:sp>
-    </p:spTree>
-    <p:extLst>
-      <p:ext uri="{BB962C8B-B14F-4D97-AF65-F5344CB8AC3E}">
-        <p14:creationId xmlns:p14="http://schemas.microsoft.com/office/powerpoint/2010/main" val="3329427987"/>
-      </p:ext>
-    </p:extLst>
-  </p:cSld>
-  <p:clrMapOvr>
-    <a:masterClrMapping/>
-  </p:clrMapOvr>
 </p:sld>
 </file>
 
